--- a/presentatie.pptx
+++ b/presentatie.pptx
@@ -8,11 +8,10 @@
     <p:sldId id="256" r:id="rId2"/>
     <p:sldId id="257" r:id="rId3"/>
     <p:sldId id="258" r:id="rId4"/>
-    <p:sldId id="260" r:id="rId5"/>
-    <p:sldId id="261" r:id="rId6"/>
-    <p:sldId id="262" r:id="rId7"/>
-    <p:sldId id="263" r:id="rId8"/>
-    <p:sldId id="259" r:id="rId9"/>
+    <p:sldId id="261" r:id="rId5"/>
+    <p:sldId id="262" r:id="rId6"/>
+    <p:sldId id="263" r:id="rId7"/>
+    <p:sldId id="259" r:id="rId8"/>
   </p:sldIdLst>
   <p:sldSz cx="12192000" cy="6858000"/>
   <p:notesSz cx="6858000" cy="9144000"/>
@@ -111,7 +110,16 @@
       </a:defRPr>
     </a:lvl9pPr>
   </p:defaultTextStyle>
+  <p:extLst>
+    <p:ext uri="{EFAFB233-063F-42B5-8137-9DF3F51BA10A}">
+      <p15:sldGuideLst xmlns:p15="http://schemas.microsoft.com/office/powerpoint/2012/main"/>
+    </p:ext>
+  </p:extLst>
 </p:presentation>
+</file>
+
+<file path=ppt/revisionInfo.xml><?xml version="1.0" encoding="utf-8"?>
+<p1510:revInfo xmlns:a="http://schemas.openxmlformats.org/drawingml/2006/main" xmlns:r="http://schemas.openxmlformats.org/officeDocument/2006/relationships" xmlns:p1510="http://schemas.microsoft.com/office/powerpoint/2015/10/main"/>
 </file>
 
 <file path=ppt/slideLayouts/slideLayout1.xml><?xml version="1.0" encoding="utf-8"?>
@@ -6338,7 +6346,7 @@
           <p:cNvPr id="2" name="Titel 1">
             <a:extLst>
               <a:ext uri="{FF2B5EF4-FFF2-40B4-BE49-F238E27FC236}">
-                <a16:creationId xmlns:a16="http://schemas.microsoft.com/office/drawing/2014/main" id="{6D944242-27F7-4F9D-A060-315B3D645CBF}"/>
+                <a16:creationId xmlns:a16="http://schemas.microsoft.com/office/drawing/2014/main" id="{5BC01DF3-2088-477F-A3DA-6BE643C8B2F8}"/>
               </a:ext>
             </a:extLst>
           </p:cNvPr>
@@ -6356,11 +6364,7 @@
           <a:p>
             <a:r>
               <a:rPr lang="nl-BE" dirty="0"/>
-              <a:t>Bluetooth </a:t>
-            </a:r>
-            <a:r>
-              <a:rPr lang="nl-BE" dirty="0" err="1"/>
-              <a:t>Beacons</a:t>
+              <a:t>Mobile Application</a:t>
             </a:r>
             <a:endParaRPr lang="LID4096" dirty="0"/>
           </a:p>
@@ -6371,7 +6375,7 @@
           <p:cNvPr id="3" name="Tijdelijke aanduiding voor inhoud 2">
             <a:extLst>
               <a:ext uri="{FF2B5EF4-FFF2-40B4-BE49-F238E27FC236}">
-                <a16:creationId xmlns:a16="http://schemas.microsoft.com/office/drawing/2014/main" id="{FC0E3DF2-FAF3-455D-A851-3DCCDE67848E}"/>
+                <a16:creationId xmlns:a16="http://schemas.microsoft.com/office/drawing/2014/main" id="{31F1756C-CD93-4873-8055-09C25C84608C}"/>
               </a:ext>
             </a:extLst>
           </p:cNvPr>
@@ -6382,19 +6386,88 @@
             <p:ph idx="1"/>
           </p:nvPr>
         </p:nvSpPr>
-        <p:spPr/>
-        <p:txBody>
-          <a:bodyPr/>
-          <a:lstStyle/>
-          <a:p>
-            <a:endParaRPr lang="LID4096"/>
+        <p:spPr>
+          <a:xfrm>
+            <a:off x="913795" y="1732449"/>
+            <a:ext cx="10353762" cy="4058751"/>
+          </a:xfrm>
+        </p:spPr>
+        <p:txBody>
+          <a:bodyPr/>
+          <a:lstStyle/>
+          <a:p>
+            <a:r>
+              <a:rPr lang="nl-BE" dirty="0"/>
+              <a:t>Android Studio</a:t>
+            </a:r>
+          </a:p>
+          <a:p>
+            <a:r>
+              <a:rPr lang="nl-BE" dirty="0"/>
+              <a:t>Login</a:t>
+            </a:r>
+          </a:p>
+          <a:p>
+            <a:r>
+              <a:rPr lang="nl-BE" dirty="0" err="1"/>
+              <a:t>Add</a:t>
+            </a:r>
+            <a:r>
+              <a:rPr lang="nl-BE" dirty="0"/>
+              <a:t> </a:t>
+            </a:r>
+            <a:r>
+              <a:rPr lang="nl-BE" dirty="0" err="1"/>
+              <a:t>beacon</a:t>
+            </a:r>
+            <a:endParaRPr lang="nl-BE" dirty="0"/>
+          </a:p>
+          <a:p>
+            <a:r>
+              <a:rPr lang="nl-BE" dirty="0" err="1"/>
+              <a:t>Add</a:t>
+            </a:r>
+            <a:r>
+              <a:rPr lang="nl-BE" dirty="0"/>
+              <a:t> room</a:t>
+            </a:r>
+          </a:p>
+          <a:p>
+            <a:r>
+              <a:rPr lang="nl-BE" dirty="0"/>
+              <a:t>Scanning </a:t>
+            </a:r>
+            <a:r>
+              <a:rPr lang="nl-BE" dirty="0" err="1"/>
+              <a:t>beacons</a:t>
+            </a:r>
+            <a:endParaRPr lang="nl-BE" dirty="0"/>
+          </a:p>
+          <a:p>
+            <a:r>
+              <a:rPr lang="nl-BE" dirty="0" err="1"/>
+              <a:t>Heatmap</a:t>
+            </a:r>
+            <a:endParaRPr lang="nl-BE" dirty="0"/>
+          </a:p>
+          <a:p>
+            <a:endParaRPr lang="nl-BE" dirty="0"/>
+          </a:p>
+          <a:p>
+            <a:endParaRPr lang="nl-BE" dirty="0"/>
+          </a:p>
+          <a:p>
+            <a:endParaRPr lang="nl-BE" dirty="0"/>
+          </a:p>
+          <a:p>
+            <a:endParaRPr lang="LID4096" dirty="0"/>
           </a:p>
         </p:txBody>
       </p:sp>
     </p:spTree>
     <p:extLst>
       <p:ext uri="{BB962C8B-B14F-4D97-AF65-F5344CB8AC3E}">
-        <p14:creationId xmlns:p14="http://schemas.microsoft.com/office/powerpoint/2010/main" val="2741189394"/>
+        <p14:creationId xmlns:p14="http://schemas.microsoft.com/office/powerpoint/2010/main" val="1640581796"/>
       </p:ext>
     </p:extLst>
   </p:cSld>
@@ -6426,7 +6499,7 @@
           <p:cNvPr id="2" name="Titel 1">
             <a:extLst>
               <a:ext uri="{FF2B5EF4-FFF2-40B4-BE49-F238E27FC236}">
-                <a16:creationId xmlns:a16="http://schemas.microsoft.com/office/drawing/2014/main" id="{5BC01DF3-2088-477F-A3DA-6BE643C8B2F8}"/>
+                <a16:creationId xmlns:a16="http://schemas.microsoft.com/office/drawing/2014/main" id="{C4EEA1E8-7C20-41A4-938E-4AB560D3B876}"/>
               </a:ext>
             </a:extLst>
           </p:cNvPr>
@@ -6444,7 +6517,7 @@
           <a:p>
             <a:r>
               <a:rPr lang="nl-BE" dirty="0"/>
-              <a:t>Mobile Application</a:t>
+              <a:t>Website</a:t>
             </a:r>
             <a:endParaRPr lang="LID4096" dirty="0"/>
           </a:p>
@@ -6455,7 +6528,7 @@
           <p:cNvPr id="3" name="Tijdelijke aanduiding voor inhoud 2">
             <a:extLst>
               <a:ext uri="{FF2B5EF4-FFF2-40B4-BE49-F238E27FC236}">
-                <a16:creationId xmlns:a16="http://schemas.microsoft.com/office/drawing/2014/main" id="{31F1756C-CD93-4873-8055-09C25C84608C}"/>
+                <a16:creationId xmlns:a16="http://schemas.microsoft.com/office/drawing/2014/main" id="{EE4FB958-D469-42E3-89E5-131277C75C29}"/>
               </a:ext>
             </a:extLst>
           </p:cNvPr>
@@ -6466,80 +6539,26 @@
             <p:ph idx="1"/>
           </p:nvPr>
         </p:nvSpPr>
-        <p:spPr>
-          <a:xfrm>
-            <a:off x="913795" y="1732449"/>
-            <a:ext cx="10353762" cy="4058751"/>
-          </a:xfrm>
-        </p:spPr>
+        <p:spPr/>
         <p:txBody>
           <a:bodyPr/>
           <a:lstStyle/>
           <a:p>
             <a:r>
               <a:rPr lang="nl-BE" dirty="0"/>
-              <a:t>Android Studio</a:t>
+              <a:t>Shows data</a:t>
             </a:r>
           </a:p>
           <a:p>
             <a:r>
               <a:rPr lang="nl-BE" dirty="0"/>
-              <a:t>Login</a:t>
-            </a:r>
-          </a:p>
-          <a:p>
-            <a:r>
-              <a:rPr lang="nl-BE" dirty="0" err="1"/>
-              <a:t>Add</a:t>
-            </a:r>
-            <a:r>
-              <a:rPr lang="nl-BE" dirty="0"/>
-              <a:t> </a:t>
-            </a:r>
-            <a:r>
-              <a:rPr lang="nl-BE" dirty="0" err="1"/>
-              <a:t>beacon</a:t>
-            </a:r>
-            <a:endParaRPr lang="nl-BE" dirty="0"/>
-          </a:p>
-          <a:p>
-            <a:r>
-              <a:rPr lang="nl-BE" dirty="0" err="1"/>
-              <a:t>Add</a:t>
-            </a:r>
-            <a:r>
-              <a:rPr lang="nl-BE" dirty="0"/>
-              <a:t> room</a:t>
-            </a:r>
-          </a:p>
-          <a:p>
-            <a:r>
-              <a:rPr lang="nl-BE" dirty="0"/>
-              <a:t>Scanning </a:t>
-            </a:r>
-            <a:r>
-              <a:rPr lang="nl-BE" dirty="0" err="1"/>
-              <a:t>beacons</a:t>
-            </a:r>
-            <a:endParaRPr lang="nl-BE" dirty="0"/>
-          </a:p>
-          <a:p>
-            <a:r>
-              <a:rPr lang="nl-BE" dirty="0" err="1"/>
-              <a:t>Heatmap</a:t>
-            </a:r>
-            <a:endParaRPr lang="nl-BE" dirty="0"/>
-          </a:p>
-          <a:p>
-            <a:endParaRPr lang="nl-BE" dirty="0"/>
-          </a:p>
-          <a:p>
-            <a:endParaRPr lang="nl-BE" dirty="0"/>
-          </a:p>
-          <a:p>
-            <a:endParaRPr lang="nl-BE" dirty="0"/>
-          </a:p>
-          <a:p>
+              <a:t>Rooms</a:t>
+            </a:r>
+          </a:p>
+          <a:p>
+            <a:pPr marL="36900" indent="0">
+              <a:buNone/>
+            </a:pPr>
             <a:endParaRPr lang="LID4096" dirty="0"/>
           </a:p>
         </p:txBody>
@@ -6547,7 +6566,7 @@
     </p:spTree>
     <p:extLst>
       <p:ext uri="{BB962C8B-B14F-4D97-AF65-F5344CB8AC3E}">
-        <p14:creationId xmlns:p14="http://schemas.microsoft.com/office/powerpoint/2010/main" val="1640581796"/>
+        <p14:creationId xmlns:p14="http://schemas.microsoft.com/office/powerpoint/2010/main" val="67690939"/>
       </p:ext>
     </p:extLst>
   </p:cSld>
@@ -6579,105 +6598,6 @@
           <p:cNvPr id="2" name="Titel 1">
             <a:extLst>
               <a:ext uri="{FF2B5EF4-FFF2-40B4-BE49-F238E27FC236}">
-                <a16:creationId xmlns:a16="http://schemas.microsoft.com/office/drawing/2014/main" id="{C4EEA1E8-7C20-41A4-938E-4AB560D3B876}"/>
-              </a:ext>
-            </a:extLst>
-          </p:cNvPr>
-          <p:cNvSpPr>
-            <a:spLocks noGrp="1"/>
-          </p:cNvSpPr>
-          <p:nvPr>
-            <p:ph type="title"/>
-          </p:nvPr>
-        </p:nvSpPr>
-        <p:spPr/>
-        <p:txBody>
-          <a:bodyPr/>
-          <a:lstStyle/>
-          <a:p>
-            <a:r>
-              <a:rPr lang="nl-BE" dirty="0"/>
-              <a:t>Website</a:t>
-            </a:r>
-            <a:endParaRPr lang="LID4096" dirty="0"/>
-          </a:p>
-        </p:txBody>
-      </p:sp>
-      <p:sp>
-        <p:nvSpPr>
-          <p:cNvPr id="3" name="Tijdelijke aanduiding voor inhoud 2">
-            <a:extLst>
-              <a:ext uri="{FF2B5EF4-FFF2-40B4-BE49-F238E27FC236}">
-                <a16:creationId xmlns:a16="http://schemas.microsoft.com/office/drawing/2014/main" id="{EE4FB958-D469-42E3-89E5-131277C75C29}"/>
-              </a:ext>
-            </a:extLst>
-          </p:cNvPr>
-          <p:cNvSpPr>
-            <a:spLocks noGrp="1"/>
-          </p:cNvSpPr>
-          <p:nvPr>
-            <p:ph idx="1"/>
-          </p:nvPr>
-        </p:nvSpPr>
-        <p:spPr/>
-        <p:txBody>
-          <a:bodyPr/>
-          <a:lstStyle/>
-          <a:p>
-            <a:r>
-              <a:rPr lang="nl-BE" dirty="0"/>
-              <a:t>Shows data</a:t>
-            </a:r>
-          </a:p>
-          <a:p>
-            <a:r>
-              <a:rPr lang="nl-BE" dirty="0"/>
-              <a:t>Rooms</a:t>
-            </a:r>
-          </a:p>
-          <a:p>
-            <a:pPr marL="36900" indent="0">
-              <a:buNone/>
-            </a:pPr>
-            <a:endParaRPr lang="LID4096" dirty="0"/>
-          </a:p>
-        </p:txBody>
-      </p:sp>
-    </p:spTree>
-    <p:extLst>
-      <p:ext uri="{BB962C8B-B14F-4D97-AF65-F5344CB8AC3E}">
-        <p14:creationId xmlns:p14="http://schemas.microsoft.com/office/powerpoint/2010/main" val="67690939"/>
-      </p:ext>
-    </p:extLst>
-  </p:cSld>
-  <p:clrMapOvr>
-    <a:masterClrMapping/>
-  </p:clrMapOvr>
-</p:sld>
-</file>
-
-<file path=ppt/slides/slide7.xml><?xml version="1.0" encoding="utf-8"?>
-<p:sld xmlns:a="http://schemas.openxmlformats.org/drawingml/2006/main" xmlns:r="http://schemas.openxmlformats.org/officeDocument/2006/relationships" xmlns:p="http://schemas.openxmlformats.org/presentationml/2006/main">
-  <p:cSld>
-    <p:spTree>
-      <p:nvGrpSpPr>
-        <p:cNvPr id="1" name=""/>
-        <p:cNvGrpSpPr/>
-        <p:nvPr/>
-      </p:nvGrpSpPr>
-      <p:grpSpPr>
-        <a:xfrm>
-          <a:off x="0" y="0"/>
-          <a:ext cx="0" cy="0"/>
-          <a:chOff x="0" y="0"/>
-          <a:chExt cx="0" cy="0"/>
-        </a:xfrm>
-      </p:grpSpPr>
-      <p:sp>
-        <p:nvSpPr>
-          <p:cNvPr id="2" name="Titel 1">
-            <a:extLst>
-              <a:ext uri="{FF2B5EF4-FFF2-40B4-BE49-F238E27FC236}">
                 <a16:creationId xmlns:a16="http://schemas.microsoft.com/office/drawing/2014/main" id="{C49C6D04-39F1-4912-B5EC-8A55B0A4425F}"/>
               </a:ext>
             </a:extLst>
@@ -6757,7 +6677,7 @@
 </p:sld>
 </file>
 
-<file path=ppt/slides/slide8.xml><?xml version="1.0" encoding="utf-8"?>
+<file path=ppt/slides/slide7.xml><?xml version="1.0" encoding="utf-8"?>
 <p:sld xmlns:a="http://schemas.openxmlformats.org/drawingml/2006/main" xmlns:r="http://schemas.openxmlformats.org/officeDocument/2006/relationships" xmlns:p="http://schemas.openxmlformats.org/presentationml/2006/main">
   <p:cSld>
     <p:spTree>

--- a/presentatie.pptx
+++ b/presentatie.pptx
@@ -9,9 +9,12 @@
     <p:sldId id="257" r:id="rId3"/>
     <p:sldId id="258" r:id="rId4"/>
     <p:sldId id="261" r:id="rId5"/>
-    <p:sldId id="262" r:id="rId6"/>
-    <p:sldId id="263" r:id="rId7"/>
-    <p:sldId id="259" r:id="rId8"/>
+    <p:sldId id="265" r:id="rId6"/>
+    <p:sldId id="262" r:id="rId7"/>
+    <p:sldId id="263" r:id="rId8"/>
+    <p:sldId id="259" r:id="rId9"/>
+    <p:sldId id="264" r:id="rId10"/>
+    <p:sldId id="266" r:id="rId11"/>
   </p:sldIdLst>
   <p:sldSz cx="12192000" cy="6858000"/>
   <p:notesSz cx="6858000" cy="9144000"/>
@@ -6100,6 +6103,98 @@
 </p:sld>
 </file>
 
+<file path=ppt/slides/slide10.xml><?xml version="1.0" encoding="utf-8"?>
+<p:sld xmlns:a="http://schemas.openxmlformats.org/drawingml/2006/main" xmlns:r="http://schemas.openxmlformats.org/officeDocument/2006/relationships" xmlns:p="http://schemas.openxmlformats.org/presentationml/2006/main">
+  <p:cSld>
+    <p:spTree>
+      <p:nvGrpSpPr>
+        <p:cNvPr id="1" name=""/>
+        <p:cNvGrpSpPr/>
+        <p:nvPr/>
+      </p:nvGrpSpPr>
+      <p:grpSpPr>
+        <a:xfrm>
+          <a:off x="0" y="0"/>
+          <a:ext cx="0" cy="0"/>
+          <a:chOff x="0" y="0"/>
+          <a:chExt cx="0" cy="0"/>
+        </a:xfrm>
+      </p:grpSpPr>
+      <p:sp>
+        <p:nvSpPr>
+          <p:cNvPr id="2" name="Titel 1">
+            <a:extLst>
+              <a:ext uri="{FF2B5EF4-FFF2-40B4-BE49-F238E27FC236}">
+                <a16:creationId xmlns:a16="http://schemas.microsoft.com/office/drawing/2014/main" id="{E437A910-74AF-4909-82CD-1EF525E863C5}"/>
+              </a:ext>
+            </a:extLst>
+          </p:cNvPr>
+          <p:cNvSpPr>
+            <a:spLocks noGrp="1"/>
+          </p:cNvSpPr>
+          <p:nvPr>
+            <p:ph type="ctrTitle"/>
+          </p:nvPr>
+        </p:nvSpPr>
+        <p:spPr/>
+        <p:txBody>
+          <a:bodyPr/>
+          <a:lstStyle/>
+          <a:p>
+            <a:r>
+              <a:rPr lang="nl-BE" dirty="0"/>
+              <a:t>The end</a:t>
+            </a:r>
+            <a:endParaRPr lang="LID4096" dirty="0"/>
+          </a:p>
+        </p:txBody>
+      </p:sp>
+      <p:sp>
+        <p:nvSpPr>
+          <p:cNvPr id="3" name="Ondertitel 2">
+            <a:extLst>
+              <a:ext uri="{FF2B5EF4-FFF2-40B4-BE49-F238E27FC236}">
+                <a16:creationId xmlns:a16="http://schemas.microsoft.com/office/drawing/2014/main" id="{716FC2F4-B99D-46E9-8A0C-37A15B7F35C7}"/>
+              </a:ext>
+            </a:extLst>
+          </p:cNvPr>
+          <p:cNvSpPr>
+            <a:spLocks noGrp="1"/>
+          </p:cNvSpPr>
+          <p:nvPr>
+            <p:ph type="subTitle" idx="1"/>
+          </p:nvPr>
+        </p:nvSpPr>
+        <p:spPr/>
+        <p:txBody>
+          <a:bodyPr/>
+          <a:lstStyle/>
+          <a:p>
+            <a:r>
+              <a:rPr lang="nl-BE" dirty="0" err="1"/>
+              <a:t>Questions</a:t>
+            </a:r>
+            <a:r>
+              <a:rPr lang="nl-BE" dirty="0"/>
+              <a:t>?</a:t>
+            </a:r>
+            <a:endParaRPr lang="LID4096" dirty="0"/>
+          </a:p>
+        </p:txBody>
+      </p:sp>
+    </p:spTree>
+    <p:extLst>
+      <p:ext uri="{BB962C8B-B14F-4D97-AF65-F5344CB8AC3E}">
+        <p14:creationId xmlns:p14="http://schemas.microsoft.com/office/powerpoint/2010/main" val="3499635052"/>
+      </p:ext>
+    </p:extLst>
+  </p:cSld>
+  <p:clrMapOvr>
+    <a:masterClrMapping/>
+  </p:clrMapOvr>
+</p:sld>
+</file>
+
 <file path=ppt/slides/slide2.xml><?xml version="1.0" encoding="utf-8"?>
 <p:sld xmlns:a="http://schemas.openxmlformats.org/drawingml/2006/main" xmlns:r="http://schemas.openxmlformats.org/officeDocument/2006/relationships" xmlns:p="http://schemas.openxmlformats.org/presentationml/2006/main">
   <p:cSld>
@@ -6179,6 +6274,34 @@
               <a:rPr lang="nl-BE" dirty="0"/>
               <a:t>?</a:t>
             </a:r>
+          </a:p>
+          <a:p>
+            <a:r>
+              <a:rPr lang="nl-BE" dirty="0"/>
+              <a:t>Mobile Application</a:t>
+            </a:r>
+          </a:p>
+          <a:p>
+            <a:r>
+              <a:rPr lang="nl-BE" dirty="0"/>
+              <a:t>Website</a:t>
+            </a:r>
+          </a:p>
+          <a:p>
+            <a:r>
+              <a:rPr lang="nl-BE" dirty="0"/>
+              <a:t>Database</a:t>
+            </a:r>
+          </a:p>
+          <a:p>
+            <a:r>
+              <a:rPr lang="nl-BE" dirty="0" err="1"/>
+              <a:t>Trilateration</a:t>
+            </a:r>
+            <a:endParaRPr lang="nl-BE" dirty="0"/>
+          </a:p>
+          <a:p>
+            <a:endParaRPr lang="nl-BE" dirty="0"/>
           </a:p>
           <a:p>
             <a:endParaRPr lang="LID4096" dirty="0"/>
@@ -6311,6 +6434,53 @@
           </a:p>
         </p:txBody>
       </p:sp>
+      <p:pic>
+        <p:nvPicPr>
+          <p:cNvPr id="1026" name="Picture 2" descr="https://scontent.fopo1-1.fna.fbcdn.net/v/t34.0-12/27399515_10204482219452124_809843010_n.jpg?oh=4c178111ecb7eb131ca07ff231885185&amp;oe=5A7217D8">
+            <a:extLst>
+              <a:ext uri="{FF2B5EF4-FFF2-40B4-BE49-F238E27FC236}">
+                <a16:creationId xmlns:a16="http://schemas.microsoft.com/office/drawing/2014/main" id="{0EA017B1-9DB2-4CB0-86E7-BF832D896BA3}"/>
+              </a:ext>
+            </a:extLst>
+          </p:cNvPr>
+          <p:cNvPicPr>
+            <a:picLocks noChangeAspect="1" noChangeArrowheads="1"/>
+          </p:cNvPicPr>
+          <p:nvPr/>
+        </p:nvPicPr>
+        <p:blipFill>
+          <a:blip r:embed="rId2">
+            <a:extLst>
+              <a:ext uri="{28A0092B-C50C-407E-A947-70E740481C1C}">
+                <a14:useLocalDpi xmlns:a14="http://schemas.microsoft.com/office/drawing/2010/main" val="0"/>
+              </a:ext>
+            </a:extLst>
+          </a:blip>
+          <a:srcRect/>
+          <a:stretch>
+            <a:fillRect/>
+          </a:stretch>
+        </p:blipFill>
+        <p:spPr bwMode="auto">
+          <a:xfrm>
+            <a:off x="6695557" y="3352800"/>
+            <a:ext cx="4572000" cy="2438400"/>
+          </a:xfrm>
+          <a:prstGeom prst="rect">
+            <a:avLst/>
+          </a:prstGeom>
+          <a:noFill/>
+          <a:extLst>
+            <a:ext uri="{909E8E84-426E-40DD-AFC4-6F175D3DCCD1}">
+              <a14:hiddenFill xmlns:a14="http://schemas.microsoft.com/office/drawing/2010/main">
+                <a:solidFill>
+                  <a:srgbClr val="FFFFFF"/>
+                </a:solidFill>
+              </a14:hiddenFill>
+            </a:ext>
+          </a:extLst>
+        </p:spPr>
+      </p:pic>
     </p:spTree>
     <p:extLst>
       <p:ext uri="{BB962C8B-B14F-4D97-AF65-F5344CB8AC3E}">
@@ -6464,6 +6634,147 @@
           </a:p>
         </p:txBody>
       </p:sp>
+      <p:pic>
+        <p:nvPicPr>
+          <p:cNvPr id="2050" name="Picture 2" descr="https://scontent.fopo1-1.fna.fbcdn.net/v/t34.0-12/27583746_10204482222612203_94523804_n.png?oh=979cad7b2e9f6025f279adcbb85afd39&amp;oe=5A71378D">
+            <a:extLst>
+              <a:ext uri="{FF2B5EF4-FFF2-40B4-BE49-F238E27FC236}">
+                <a16:creationId xmlns:a16="http://schemas.microsoft.com/office/drawing/2014/main" id="{08CC2031-E690-4DAC-A0AC-AA602A892A41}"/>
+              </a:ext>
+            </a:extLst>
+          </p:cNvPr>
+          <p:cNvPicPr>
+            <a:picLocks noChangeAspect="1" noChangeArrowheads="1"/>
+          </p:cNvPicPr>
+          <p:nvPr/>
+        </p:nvPicPr>
+        <p:blipFill>
+          <a:blip r:embed="rId2">
+            <a:extLst>
+              <a:ext uri="{28A0092B-C50C-407E-A947-70E740481C1C}">
+                <a14:useLocalDpi xmlns:a14="http://schemas.microsoft.com/office/drawing/2010/main" val="0"/>
+              </a:ext>
+            </a:extLst>
+          </a:blip>
+          <a:srcRect/>
+          <a:stretch>
+            <a:fillRect/>
+          </a:stretch>
+        </p:blipFill>
+        <p:spPr bwMode="auto">
+          <a:xfrm>
+            <a:off x="3507432" y="1732449"/>
+            <a:ext cx="2742898" cy="4876263"/>
+          </a:xfrm>
+          <a:prstGeom prst="rect">
+            <a:avLst/>
+          </a:prstGeom>
+          <a:noFill/>
+          <a:extLst>
+            <a:ext uri="{909E8E84-426E-40DD-AFC4-6F175D3DCCD1}">
+              <a14:hiddenFill xmlns:a14="http://schemas.microsoft.com/office/drawing/2010/main">
+                <a:solidFill>
+                  <a:srgbClr val="FFFFFF"/>
+                </a:solidFill>
+              </a14:hiddenFill>
+            </a:ext>
+          </a:extLst>
+        </p:spPr>
+      </p:pic>
+      <p:pic>
+        <p:nvPicPr>
+          <p:cNvPr id="2052" name="Picture 4" descr="https://scontent.fopo1-1.fna.fbcdn.net/v/t34.0-12/27399893_10204482227332321_368355754_n.png?oh=2cf770b17ea7f44c4df4e623173890b3&amp;oe=5A720C49">
+            <a:extLst>
+              <a:ext uri="{FF2B5EF4-FFF2-40B4-BE49-F238E27FC236}">
+                <a16:creationId xmlns:a16="http://schemas.microsoft.com/office/drawing/2014/main" id="{C7771AD7-FD5A-4EDE-9030-288F6A4FF204}"/>
+              </a:ext>
+            </a:extLst>
+          </p:cNvPr>
+          <p:cNvPicPr>
+            <a:picLocks noChangeAspect="1" noChangeArrowheads="1"/>
+          </p:cNvPicPr>
+          <p:nvPr/>
+        </p:nvPicPr>
+        <p:blipFill>
+          <a:blip r:embed="rId3">
+            <a:extLst>
+              <a:ext uri="{28A0092B-C50C-407E-A947-70E740481C1C}">
+                <a14:useLocalDpi xmlns:a14="http://schemas.microsoft.com/office/drawing/2010/main" val="0"/>
+              </a:ext>
+            </a:extLst>
+          </a:blip>
+          <a:srcRect/>
+          <a:stretch>
+            <a:fillRect/>
+          </a:stretch>
+        </p:blipFill>
+        <p:spPr bwMode="auto">
+          <a:xfrm>
+            <a:off x="6292861" y="1732449"/>
+            <a:ext cx="2743199" cy="4876798"/>
+          </a:xfrm>
+          <a:prstGeom prst="rect">
+            <a:avLst/>
+          </a:prstGeom>
+          <a:noFill/>
+          <a:extLst>
+            <a:ext uri="{909E8E84-426E-40DD-AFC4-6F175D3DCCD1}">
+              <a14:hiddenFill xmlns:a14="http://schemas.microsoft.com/office/drawing/2010/main">
+                <a:solidFill>
+                  <a:srgbClr val="FFFFFF"/>
+                </a:solidFill>
+              </a14:hiddenFill>
+            </a:ext>
+          </a:extLst>
+        </p:spPr>
+      </p:pic>
+      <p:pic>
+        <p:nvPicPr>
+          <p:cNvPr id="2054" name="Picture 6" descr="https://scontent.fopo1-1.fna.fbcdn.net/v/t34.0-12/27496672_10204482222572202_105734289_n.png?oh=43535cd1a1b989c51d0fae1ac557b016&amp;oe=5A714AA6">
+            <a:extLst>
+              <a:ext uri="{FF2B5EF4-FFF2-40B4-BE49-F238E27FC236}">
+                <a16:creationId xmlns:a16="http://schemas.microsoft.com/office/drawing/2014/main" id="{0942EFD5-0B3E-4221-852D-1FAEF6051374}"/>
+              </a:ext>
+            </a:extLst>
+          </p:cNvPr>
+          <p:cNvPicPr>
+            <a:picLocks noChangeAspect="1" noChangeArrowheads="1"/>
+          </p:cNvPicPr>
+          <p:nvPr/>
+        </p:nvPicPr>
+        <p:blipFill>
+          <a:blip r:embed="rId4">
+            <a:extLst>
+              <a:ext uri="{28A0092B-C50C-407E-A947-70E740481C1C}">
+                <a14:useLocalDpi xmlns:a14="http://schemas.microsoft.com/office/drawing/2010/main" val="0"/>
+              </a:ext>
+            </a:extLst>
+          </a:blip>
+          <a:srcRect/>
+          <a:stretch>
+            <a:fillRect/>
+          </a:stretch>
+        </p:blipFill>
+        <p:spPr bwMode="auto">
+          <a:xfrm>
+            <a:off x="9091110" y="1732449"/>
+            <a:ext cx="2742898" cy="4876263"/>
+          </a:xfrm>
+          <a:prstGeom prst="rect">
+            <a:avLst/>
+          </a:prstGeom>
+          <a:noFill/>
+          <a:extLst>
+            <a:ext uri="{909E8E84-426E-40DD-AFC4-6F175D3DCCD1}">
+              <a14:hiddenFill xmlns:a14="http://schemas.microsoft.com/office/drawing/2010/main">
+                <a:solidFill>
+                  <a:srgbClr val="FFFFFF"/>
+                </a:solidFill>
+              </a14:hiddenFill>
+            </a:ext>
+          </a:extLst>
+        </p:spPr>
+      </p:pic>
     </p:spTree>
     <p:extLst>
       <p:ext uri="{BB962C8B-B14F-4D97-AF65-F5344CB8AC3E}">
@@ -6499,7 +6810,7 @@
           <p:cNvPr id="2" name="Titel 1">
             <a:extLst>
               <a:ext uri="{FF2B5EF4-FFF2-40B4-BE49-F238E27FC236}">
-                <a16:creationId xmlns:a16="http://schemas.microsoft.com/office/drawing/2014/main" id="{C4EEA1E8-7C20-41A4-938E-4AB560D3B876}"/>
+                <a16:creationId xmlns:a16="http://schemas.microsoft.com/office/drawing/2014/main" id="{50B5D3B1-DB0A-4F6A-B8F0-3BD4FF0366C3}"/>
               </a:ext>
             </a:extLst>
           </p:cNvPr>
@@ -6517,56 +6828,159 @@
           <a:p>
             <a:r>
               <a:rPr lang="nl-BE" dirty="0"/>
-              <a:t>Website</a:t>
+              <a:t>Mobile Application</a:t>
             </a:r>
             <a:endParaRPr lang="LID4096" dirty="0"/>
           </a:p>
         </p:txBody>
       </p:sp>
-      <p:sp>
-        <p:nvSpPr>
-          <p:cNvPr id="3" name="Tijdelijke aanduiding voor inhoud 2">
+      <p:pic>
+        <p:nvPicPr>
+          <p:cNvPr id="3074" name="Picture 2" descr="https://scontent.fopo1-1.fna.fbcdn.net/v/t34.0-12/27399564_10204482222372197_1471497008_n.png?oh=43922bf5d377e2defc18d7c7a4f431aa&amp;oe=5A72531F">
             <a:extLst>
               <a:ext uri="{FF2B5EF4-FFF2-40B4-BE49-F238E27FC236}">
-                <a16:creationId xmlns:a16="http://schemas.microsoft.com/office/drawing/2014/main" id="{EE4FB958-D469-42E3-89E5-131277C75C29}"/>
+                <a16:creationId xmlns:a16="http://schemas.microsoft.com/office/drawing/2014/main" id="{0316E91A-D2DC-4E5B-A515-BB4EA5C6C637}"/>
               </a:ext>
             </a:extLst>
           </p:cNvPr>
-          <p:cNvSpPr>
-            <a:spLocks noGrp="1"/>
-          </p:cNvSpPr>
+          <p:cNvPicPr>
+            <a:picLocks noGrp="1" noChangeAspect="1" noChangeArrowheads="1"/>
+          </p:cNvPicPr>
           <p:nvPr>
             <p:ph idx="1"/>
           </p:nvPr>
-        </p:nvSpPr>
-        <p:spPr/>
-        <p:txBody>
-          <a:bodyPr/>
-          <a:lstStyle/>
-          <a:p>
-            <a:r>
-              <a:rPr lang="nl-BE" dirty="0"/>
-              <a:t>Shows data</a:t>
-            </a:r>
-          </a:p>
-          <a:p>
-            <a:r>
-              <a:rPr lang="nl-BE" dirty="0"/>
-              <a:t>Rooms</a:t>
-            </a:r>
-          </a:p>
-          <a:p>
-            <a:pPr marL="36900" indent="0">
-              <a:buNone/>
-            </a:pPr>
-            <a:endParaRPr lang="LID4096" dirty="0"/>
-          </a:p>
-        </p:txBody>
-      </p:sp>
+        </p:nvPicPr>
+        <p:blipFill>
+          <a:blip r:embed="rId2">
+            <a:extLst>
+              <a:ext uri="{28A0092B-C50C-407E-A947-70E740481C1C}">
+                <a14:useLocalDpi xmlns:a14="http://schemas.microsoft.com/office/drawing/2010/main" val="0"/>
+              </a:ext>
+            </a:extLst>
+          </a:blip>
+          <a:srcRect/>
+          <a:stretch>
+            <a:fillRect/>
+          </a:stretch>
+        </p:blipFill>
+        <p:spPr bwMode="auto">
+          <a:xfrm>
+            <a:off x="1670698" y="1580048"/>
+            <a:ext cx="2745192" cy="4880343"/>
+          </a:xfrm>
+          <a:prstGeom prst="rect">
+            <a:avLst/>
+          </a:prstGeom>
+          <a:noFill/>
+          <a:extLst>
+            <a:ext uri="{909E8E84-426E-40DD-AFC4-6F175D3DCCD1}">
+              <a14:hiddenFill xmlns:a14="http://schemas.microsoft.com/office/drawing/2010/main">
+                <a:solidFill>
+                  <a:srgbClr val="FFFFFF"/>
+                </a:solidFill>
+              </a14:hiddenFill>
+            </a:ext>
+          </a:extLst>
+        </p:spPr>
+      </p:pic>
+      <p:pic>
+        <p:nvPicPr>
+          <p:cNvPr id="3076" name="Picture 4" descr="https://scontent.fopo1-1.fna.fbcdn.net/v/t34.0-12/27395038_10204482257653079_562803964_n.png?oh=53ba61758c87b5081393645db720ec31&amp;oe=5A712D3A">
+            <a:extLst>
+              <a:ext uri="{FF2B5EF4-FFF2-40B4-BE49-F238E27FC236}">
+                <a16:creationId xmlns:a16="http://schemas.microsoft.com/office/drawing/2014/main" id="{F755F940-7EF7-4D22-9F05-6F74A8FDDF1A}"/>
+              </a:ext>
+            </a:extLst>
+          </p:cNvPr>
+          <p:cNvPicPr>
+            <a:picLocks noChangeAspect="1" noChangeArrowheads="1"/>
+          </p:cNvPicPr>
+          <p:nvPr/>
+        </p:nvPicPr>
+        <p:blipFill>
+          <a:blip r:embed="rId3">
+            <a:extLst>
+              <a:ext uri="{28A0092B-C50C-407E-A947-70E740481C1C}">
+                <a14:useLocalDpi xmlns:a14="http://schemas.microsoft.com/office/drawing/2010/main" val="0"/>
+              </a:ext>
+            </a:extLst>
+          </a:blip>
+          <a:srcRect/>
+          <a:stretch>
+            <a:fillRect/>
+          </a:stretch>
+        </p:blipFill>
+        <p:spPr bwMode="auto">
+          <a:xfrm>
+            <a:off x="4718079" y="1580048"/>
+            <a:ext cx="2745193" cy="4880343"/>
+          </a:xfrm>
+          <a:prstGeom prst="rect">
+            <a:avLst/>
+          </a:prstGeom>
+          <a:noFill/>
+          <a:extLst>
+            <a:ext uri="{909E8E84-426E-40DD-AFC4-6F175D3DCCD1}">
+              <a14:hiddenFill xmlns:a14="http://schemas.microsoft.com/office/drawing/2010/main">
+                <a:solidFill>
+                  <a:srgbClr val="FFFFFF"/>
+                </a:solidFill>
+              </a14:hiddenFill>
+            </a:ext>
+          </a:extLst>
+        </p:spPr>
+      </p:pic>
+      <p:pic>
+        <p:nvPicPr>
+          <p:cNvPr id="3078" name="Picture 6" descr="https://scontent.fopo1-1.fna.fbcdn.net/v/t34.0-12/27399851_10204482257613078_1166734774_n.png?oh=6a389fea3317e720b6ff1d31348a137e&amp;oe=5A712645">
+            <a:extLst>
+              <a:ext uri="{FF2B5EF4-FFF2-40B4-BE49-F238E27FC236}">
+                <a16:creationId xmlns:a16="http://schemas.microsoft.com/office/drawing/2014/main" id="{AD05D39A-0820-449C-80C1-63388B1AA6F4}"/>
+              </a:ext>
+            </a:extLst>
+          </p:cNvPr>
+          <p:cNvPicPr>
+            <a:picLocks noChangeAspect="1" noChangeArrowheads="1"/>
+          </p:cNvPicPr>
+          <p:nvPr/>
+        </p:nvPicPr>
+        <p:blipFill>
+          <a:blip r:embed="rId4">
+            <a:extLst>
+              <a:ext uri="{28A0092B-C50C-407E-A947-70E740481C1C}">
+                <a14:useLocalDpi xmlns:a14="http://schemas.microsoft.com/office/drawing/2010/main" val="0"/>
+              </a:ext>
+            </a:extLst>
+          </a:blip>
+          <a:srcRect/>
+          <a:stretch>
+            <a:fillRect/>
+          </a:stretch>
+        </p:blipFill>
+        <p:spPr bwMode="auto">
+          <a:xfrm>
+            <a:off x="7765461" y="1580049"/>
+            <a:ext cx="2745193" cy="4880343"/>
+          </a:xfrm>
+          <a:prstGeom prst="rect">
+            <a:avLst/>
+          </a:prstGeom>
+          <a:noFill/>
+          <a:extLst>
+            <a:ext uri="{909E8E84-426E-40DD-AFC4-6F175D3DCCD1}">
+              <a14:hiddenFill xmlns:a14="http://schemas.microsoft.com/office/drawing/2010/main">
+                <a:solidFill>
+                  <a:srgbClr val="FFFFFF"/>
+                </a:solidFill>
+              </a14:hiddenFill>
+            </a:ext>
+          </a:extLst>
+        </p:spPr>
+      </p:pic>
     </p:spTree>
     <p:extLst>
       <p:ext uri="{BB962C8B-B14F-4D97-AF65-F5344CB8AC3E}">
-        <p14:creationId xmlns:p14="http://schemas.microsoft.com/office/powerpoint/2010/main" val="67690939"/>
+        <p14:creationId xmlns:p14="http://schemas.microsoft.com/office/powerpoint/2010/main" val="1769623767"/>
       </p:ext>
     </p:extLst>
   </p:cSld>
@@ -6598,7 +7012,7 @@
           <p:cNvPr id="2" name="Titel 1">
             <a:extLst>
               <a:ext uri="{FF2B5EF4-FFF2-40B4-BE49-F238E27FC236}">
-                <a16:creationId xmlns:a16="http://schemas.microsoft.com/office/drawing/2014/main" id="{C49C6D04-39F1-4912-B5EC-8A55B0A4425F}"/>
+                <a16:creationId xmlns:a16="http://schemas.microsoft.com/office/drawing/2014/main" id="{C4EEA1E8-7C20-41A4-938E-4AB560D3B876}"/>
               </a:ext>
             </a:extLst>
           </p:cNvPr>
@@ -6616,7 +7030,7 @@
           <a:p>
             <a:r>
               <a:rPr lang="nl-BE" dirty="0"/>
-              <a:t>Database</a:t>
+              <a:t>Website</a:t>
             </a:r>
             <a:endParaRPr lang="LID4096" dirty="0"/>
           </a:p>
@@ -6627,7 +7041,7 @@
           <p:cNvPr id="3" name="Tijdelijke aanduiding voor inhoud 2">
             <a:extLst>
               <a:ext uri="{FF2B5EF4-FFF2-40B4-BE49-F238E27FC236}">
-                <a16:creationId xmlns:a16="http://schemas.microsoft.com/office/drawing/2014/main" id="{E2825E0E-A050-4F97-A1C6-A1267BA77060}"/>
+                <a16:creationId xmlns:a16="http://schemas.microsoft.com/office/drawing/2014/main" id="{EE4FB958-D469-42E3-89E5-131277C75C29}"/>
               </a:ext>
             </a:extLst>
           </p:cNvPr>
@@ -6644,22 +7058,34 @@
           <a:lstStyle/>
           <a:p>
             <a:r>
+              <a:rPr lang="nl-BE" dirty="0"/>
+              <a:t>Shows raw data</a:t>
+            </a:r>
+          </a:p>
+          <a:p>
+            <a:r>
+              <a:rPr lang="nl-BE" dirty="0"/>
+              <a:t>Rooms</a:t>
+            </a:r>
+          </a:p>
+          <a:p>
+            <a:r>
               <a:rPr lang="nl-BE" dirty="0" err="1"/>
-              <a:t>Mysql</a:t>
+              <a:t>Localhost</a:t>
             </a:r>
             <a:endParaRPr lang="nl-BE" dirty="0"/>
           </a:p>
           <a:p>
             <a:r>
               <a:rPr lang="nl-BE" dirty="0" err="1"/>
-              <a:t>Local</a:t>
-            </a:r>
-            <a:r>
-              <a:rPr lang="nl-BE" dirty="0"/>
-              <a:t> server</a:t>
-            </a:r>
-          </a:p>
-          <a:p>
+              <a:t>Wamp</a:t>
+            </a:r>
+            <a:endParaRPr lang="nl-BE" dirty="0"/>
+          </a:p>
+          <a:p>
+            <a:pPr marL="36900" indent="0">
+              <a:buNone/>
+            </a:pPr>
             <a:endParaRPr lang="LID4096" dirty="0"/>
           </a:p>
         </p:txBody>
@@ -6667,7 +7093,7 @@
     </p:spTree>
     <p:extLst>
       <p:ext uri="{BB962C8B-B14F-4D97-AF65-F5344CB8AC3E}">
-        <p14:creationId xmlns:p14="http://schemas.microsoft.com/office/powerpoint/2010/main" val="546360603"/>
+        <p14:creationId xmlns:p14="http://schemas.microsoft.com/office/powerpoint/2010/main" val="67690939"/>
       </p:ext>
     </p:extLst>
   </p:cSld>
@@ -6699,6 +7125,163 @@
           <p:cNvPr id="2" name="Titel 1">
             <a:extLst>
               <a:ext uri="{FF2B5EF4-FFF2-40B4-BE49-F238E27FC236}">
+                <a16:creationId xmlns:a16="http://schemas.microsoft.com/office/drawing/2014/main" id="{C49C6D04-39F1-4912-B5EC-8A55B0A4425F}"/>
+              </a:ext>
+            </a:extLst>
+          </p:cNvPr>
+          <p:cNvSpPr>
+            <a:spLocks noGrp="1"/>
+          </p:cNvSpPr>
+          <p:nvPr>
+            <p:ph type="title"/>
+          </p:nvPr>
+        </p:nvSpPr>
+        <p:spPr/>
+        <p:txBody>
+          <a:bodyPr/>
+          <a:lstStyle/>
+          <a:p>
+            <a:r>
+              <a:rPr lang="nl-BE" dirty="0"/>
+              <a:t>Database</a:t>
+            </a:r>
+            <a:endParaRPr lang="LID4096" dirty="0"/>
+          </a:p>
+        </p:txBody>
+      </p:sp>
+      <p:sp>
+        <p:nvSpPr>
+          <p:cNvPr id="3" name="Tijdelijke aanduiding voor inhoud 2">
+            <a:extLst>
+              <a:ext uri="{FF2B5EF4-FFF2-40B4-BE49-F238E27FC236}">
+                <a16:creationId xmlns:a16="http://schemas.microsoft.com/office/drawing/2014/main" id="{E2825E0E-A050-4F97-A1C6-A1267BA77060}"/>
+              </a:ext>
+            </a:extLst>
+          </p:cNvPr>
+          <p:cNvSpPr>
+            <a:spLocks noGrp="1"/>
+          </p:cNvSpPr>
+          <p:nvPr>
+            <p:ph idx="1"/>
+          </p:nvPr>
+        </p:nvSpPr>
+        <p:spPr/>
+        <p:txBody>
+          <a:bodyPr/>
+          <a:lstStyle/>
+          <a:p>
+            <a:r>
+              <a:rPr lang="nl-BE" dirty="0" err="1"/>
+              <a:t>Mysql</a:t>
+            </a:r>
+            <a:endParaRPr lang="nl-BE" dirty="0"/>
+          </a:p>
+          <a:p>
+            <a:r>
+              <a:rPr lang="nl-BE" dirty="0" err="1"/>
+              <a:t>Local</a:t>
+            </a:r>
+            <a:r>
+              <a:rPr lang="nl-BE" dirty="0"/>
+              <a:t> server</a:t>
+            </a:r>
+          </a:p>
+          <a:p>
+            <a:r>
+              <a:rPr lang="nl-BE" dirty="0" err="1"/>
+              <a:t>phpmyadmin</a:t>
+            </a:r>
+            <a:endParaRPr lang="nl-BE" dirty="0"/>
+          </a:p>
+          <a:p>
+            <a:r>
+              <a:rPr lang="nl-BE" dirty="0"/>
+              <a:t>User </a:t>
+            </a:r>
+            <a:r>
+              <a:rPr lang="nl-BE" dirty="0" err="1"/>
+              <a:t>table</a:t>
+            </a:r>
+            <a:r>
+              <a:rPr lang="nl-BE" dirty="0"/>
+              <a:t> -&gt; </a:t>
+            </a:r>
+            <a:r>
+              <a:rPr lang="nl-BE" dirty="0" err="1"/>
+              <a:t>connection</a:t>
+            </a:r>
+            <a:endParaRPr lang="nl-BE" dirty="0"/>
+          </a:p>
+          <a:p>
+            <a:endParaRPr lang="LID4096" dirty="0"/>
+          </a:p>
+        </p:txBody>
+      </p:sp>
+      <p:pic>
+        <p:nvPicPr>
+          <p:cNvPr id="4" name="Afbeelding 3">
+            <a:extLst>
+              <a:ext uri="{FF2B5EF4-FFF2-40B4-BE49-F238E27FC236}">
+                <a16:creationId xmlns:a16="http://schemas.microsoft.com/office/drawing/2014/main" id="{FE08E019-D701-4981-9263-55115DDB6AFA}"/>
+              </a:ext>
+            </a:extLst>
+          </p:cNvPr>
+          <p:cNvPicPr>
+            <a:picLocks noChangeAspect="1"/>
+          </p:cNvPicPr>
+          <p:nvPr/>
+        </p:nvPicPr>
+        <p:blipFill>
+          <a:blip r:embed="rId2"/>
+          <a:stretch>
+            <a:fillRect/>
+          </a:stretch>
+        </p:blipFill>
+        <p:spPr>
+          <a:xfrm>
+            <a:off x="4685782" y="1732449"/>
+            <a:ext cx="6581775" cy="3952875"/>
+          </a:xfrm>
+          <a:prstGeom prst="rect">
+            <a:avLst/>
+          </a:prstGeom>
+        </p:spPr>
+      </p:pic>
+    </p:spTree>
+    <p:extLst>
+      <p:ext uri="{BB962C8B-B14F-4D97-AF65-F5344CB8AC3E}">
+        <p14:creationId xmlns:p14="http://schemas.microsoft.com/office/powerpoint/2010/main" val="546360603"/>
+      </p:ext>
+    </p:extLst>
+  </p:cSld>
+  <p:clrMapOvr>
+    <a:masterClrMapping/>
+  </p:clrMapOvr>
+</p:sld>
+</file>
+
+<file path=ppt/slides/slide8.xml><?xml version="1.0" encoding="utf-8"?>
+<p:sld xmlns:a="http://schemas.openxmlformats.org/drawingml/2006/main" xmlns:r="http://schemas.openxmlformats.org/officeDocument/2006/relationships" xmlns:p="http://schemas.openxmlformats.org/presentationml/2006/main">
+  <p:cSld>
+    <p:spTree>
+      <p:nvGrpSpPr>
+        <p:cNvPr id="1" name=""/>
+        <p:cNvGrpSpPr/>
+        <p:nvPr/>
+      </p:nvGrpSpPr>
+      <p:grpSpPr>
+        <a:xfrm>
+          <a:off x="0" y="0"/>
+          <a:ext cx="0" cy="0"/>
+          <a:chOff x="0" y="0"/>
+          <a:chExt cx="0" cy="0"/>
+        </a:xfrm>
+      </p:grpSpPr>
+      <p:sp>
+        <p:nvSpPr>
+          <p:cNvPr id="2" name="Titel 1">
+            <a:extLst>
+              <a:ext uri="{FF2B5EF4-FFF2-40B4-BE49-F238E27FC236}">
                 <a16:creationId xmlns:a16="http://schemas.microsoft.com/office/drawing/2014/main" id="{11CA50F0-7F09-4E1F-9FF6-23BC08A6658C}"/>
               </a:ext>
             </a:extLst>
@@ -6764,6 +7347,53 @@
               <a:rPr lang="nl-BE" dirty="0" err="1"/>
               <a:t>Trilateration</a:t>
             </a:r>
+            <a:endParaRPr lang="nl-BE" dirty="0"/>
+          </a:p>
+          <a:p>
+            <a:pPr lvl="1"/>
+            <a:r>
+              <a:rPr lang="nl-BE" dirty="0"/>
+              <a:t>3 </a:t>
+            </a:r>
+            <a:r>
+              <a:rPr lang="nl-BE" dirty="0" err="1"/>
+              <a:t>Beacons</a:t>
+            </a:r>
+            <a:r>
+              <a:rPr lang="nl-BE" dirty="0"/>
+              <a:t> in a room</a:t>
+            </a:r>
+          </a:p>
+          <a:p>
+            <a:pPr lvl="1"/>
+            <a:r>
+              <a:rPr lang="nl-BE" dirty="0" err="1"/>
+              <a:t>Distance</a:t>
+            </a:r>
+            <a:r>
+              <a:rPr lang="nl-BE" dirty="0"/>
+              <a:t> </a:t>
+            </a:r>
+            <a:r>
+              <a:rPr lang="nl-BE" dirty="0" err="1"/>
+              <a:t>from</a:t>
+            </a:r>
+            <a:r>
+              <a:rPr lang="nl-BE" dirty="0"/>
+              <a:t> the 3 </a:t>
+            </a:r>
+            <a:r>
+              <a:rPr lang="nl-BE" dirty="0" err="1"/>
+              <a:t>beacons</a:t>
+            </a:r>
+            <a:endParaRPr lang="nl-BE" dirty="0"/>
+          </a:p>
+          <a:p>
+            <a:pPr lvl="1"/>
+            <a:endParaRPr lang="nl-BE" dirty="0"/>
+          </a:p>
+          <a:p>
+            <a:pPr lvl="1"/>
             <a:endParaRPr lang="nl-BE" dirty="0"/>
           </a:p>
           <a:p>
@@ -6826,6 +7456,90 @@
     <p:extLst>
       <p:ext uri="{BB962C8B-B14F-4D97-AF65-F5344CB8AC3E}">
         <p14:creationId xmlns:p14="http://schemas.microsoft.com/office/powerpoint/2010/main" val="3234106631"/>
+      </p:ext>
+    </p:extLst>
+  </p:cSld>
+  <p:clrMapOvr>
+    <a:masterClrMapping/>
+  </p:clrMapOvr>
+</p:sld>
+</file>
+
+<file path=ppt/slides/slide9.xml><?xml version="1.0" encoding="utf-8"?>
+<p:sld xmlns:a="http://schemas.openxmlformats.org/drawingml/2006/main" xmlns:r="http://schemas.openxmlformats.org/officeDocument/2006/relationships" xmlns:p="http://schemas.openxmlformats.org/presentationml/2006/main">
+  <p:cSld>
+    <p:spTree>
+      <p:nvGrpSpPr>
+        <p:cNvPr id="1" name=""/>
+        <p:cNvGrpSpPr/>
+        <p:nvPr/>
+      </p:nvGrpSpPr>
+      <p:grpSpPr>
+        <a:xfrm>
+          <a:off x="0" y="0"/>
+          <a:ext cx="0" cy="0"/>
+          <a:chOff x="0" y="0"/>
+          <a:chExt cx="0" cy="0"/>
+        </a:xfrm>
+      </p:grpSpPr>
+      <p:sp>
+        <p:nvSpPr>
+          <p:cNvPr id="2" name="Titel 1">
+            <a:extLst>
+              <a:ext uri="{FF2B5EF4-FFF2-40B4-BE49-F238E27FC236}">
+                <a16:creationId xmlns:a16="http://schemas.microsoft.com/office/drawing/2014/main" id="{C5DBE485-6CA1-4107-A8EB-CB0A270B67A8}"/>
+              </a:ext>
+            </a:extLst>
+          </p:cNvPr>
+          <p:cNvSpPr>
+            <a:spLocks noGrp="1"/>
+          </p:cNvSpPr>
+          <p:nvPr>
+            <p:ph type="title"/>
+          </p:nvPr>
+        </p:nvSpPr>
+        <p:spPr/>
+        <p:txBody>
+          <a:bodyPr/>
+          <a:lstStyle/>
+          <a:p>
+            <a:r>
+              <a:rPr lang="nl-BE" dirty="0"/>
+              <a:t>Demo</a:t>
+            </a:r>
+            <a:endParaRPr lang="LID4096" dirty="0"/>
+          </a:p>
+        </p:txBody>
+      </p:sp>
+      <p:sp>
+        <p:nvSpPr>
+          <p:cNvPr id="3" name="Tijdelijke aanduiding voor inhoud 2">
+            <a:extLst>
+              <a:ext uri="{FF2B5EF4-FFF2-40B4-BE49-F238E27FC236}">
+                <a16:creationId xmlns:a16="http://schemas.microsoft.com/office/drawing/2014/main" id="{D536DD2F-5B14-4F40-A14E-52ADF7C65AED}"/>
+              </a:ext>
+            </a:extLst>
+          </p:cNvPr>
+          <p:cNvSpPr>
+            <a:spLocks noGrp="1"/>
+          </p:cNvSpPr>
+          <p:nvPr>
+            <p:ph idx="1"/>
+          </p:nvPr>
+        </p:nvSpPr>
+        <p:spPr/>
+        <p:txBody>
+          <a:bodyPr/>
+          <a:lstStyle/>
+          <a:p>
+            <a:endParaRPr lang="LID4096"/>
+          </a:p>
+        </p:txBody>
+      </p:sp>
+    </p:spTree>
+    <p:extLst>
+      <p:ext uri="{BB962C8B-B14F-4D97-AF65-F5344CB8AC3E}">
+        <p14:creationId xmlns:p14="http://schemas.microsoft.com/office/powerpoint/2010/main" val="1001252573"/>
       </p:ext>
     </p:extLst>
   </p:cSld>

--- a/presentatie.pptx
+++ b/presentatie.pptx
@@ -352,7 +352,7 @@
           <a:p>
             <a:fld id="{0494D132-07D6-4EFE-B8F7-6D532B292C32}" type="slidenum">
               <a:rPr lang="LID4096" smtClean="0"/>
-              <a:t>‹nr.›</a:t>
+              <a:t>‹#›</a:t>
             </a:fld>
             <a:endParaRPr lang="LID4096"/>
           </a:p>
@@ -650,7 +650,7 @@
           <a:p>
             <a:fld id="{0494D132-07D6-4EFE-B8F7-6D532B292C32}" type="slidenum">
               <a:rPr lang="LID4096" smtClean="0"/>
-              <a:t>‹nr.›</a:t>
+              <a:t>‹#›</a:t>
             </a:fld>
             <a:endParaRPr lang="LID4096"/>
           </a:p>
@@ -842,7 +842,7 @@
           <a:p>
             <a:fld id="{0494D132-07D6-4EFE-B8F7-6D532B292C32}" type="slidenum">
               <a:rPr lang="LID4096" smtClean="0"/>
-              <a:t>‹nr.›</a:t>
+              <a:t>‹#›</a:t>
             </a:fld>
             <a:endParaRPr lang="LID4096"/>
           </a:p>
@@ -1103,7 +1103,7 @@
           <a:p>
             <a:fld id="{0494D132-07D6-4EFE-B8F7-6D532B292C32}" type="slidenum">
               <a:rPr lang="LID4096" smtClean="0"/>
-              <a:t>‹nr.›</a:t>
+              <a:t>‹#›</a:t>
             </a:fld>
             <a:endParaRPr lang="LID4096"/>
           </a:p>
@@ -1527,7 +1527,7 @@
           <a:p>
             <a:fld id="{0494D132-07D6-4EFE-B8F7-6D532B292C32}" type="slidenum">
               <a:rPr lang="LID4096" smtClean="0"/>
-              <a:t>‹nr.›</a:t>
+              <a:t>‹#›</a:t>
             </a:fld>
             <a:endParaRPr lang="LID4096"/>
           </a:p>
@@ -2064,7 +2064,7 @@
           <a:p>
             <a:fld id="{0494D132-07D6-4EFE-B8F7-6D532B292C32}" type="slidenum">
               <a:rPr lang="LID4096" smtClean="0"/>
-              <a:t>‹nr.›</a:t>
+              <a:t>‹#›</a:t>
             </a:fld>
             <a:endParaRPr lang="LID4096"/>
           </a:p>
@@ -2928,7 +2928,7 @@
           <a:p>
             <a:fld id="{0494D132-07D6-4EFE-B8F7-6D532B292C32}" type="slidenum">
               <a:rPr lang="LID4096" smtClean="0"/>
-              <a:t>‹nr.›</a:t>
+              <a:t>‹#›</a:t>
             </a:fld>
             <a:endParaRPr lang="LID4096"/>
           </a:p>
@@ -3098,7 +3098,7 @@
           <a:p>
             <a:fld id="{0494D132-07D6-4EFE-B8F7-6D532B292C32}" type="slidenum">
               <a:rPr lang="LID4096" smtClean="0"/>
-              <a:t>‹nr.›</a:t>
+              <a:t>‹#›</a:t>
             </a:fld>
             <a:endParaRPr lang="LID4096"/>
           </a:p>
@@ -3282,7 +3282,7 @@
           <a:p>
             <a:fld id="{0494D132-07D6-4EFE-B8F7-6D532B292C32}" type="slidenum">
               <a:rPr lang="LID4096" smtClean="0"/>
-              <a:t>‹nr.›</a:t>
+              <a:t>‹#›</a:t>
             </a:fld>
             <a:endParaRPr lang="LID4096"/>
           </a:p>
@@ -3452,7 +3452,7 @@
           <a:p>
             <a:fld id="{0494D132-07D6-4EFE-B8F7-6D532B292C32}" type="slidenum">
               <a:rPr lang="LID4096" smtClean="0"/>
-              <a:t>‹nr.›</a:t>
+              <a:t>‹#›</a:t>
             </a:fld>
             <a:endParaRPr lang="LID4096"/>
           </a:p>
@@ -3696,7 +3696,7 @@
           <a:p>
             <a:fld id="{0494D132-07D6-4EFE-B8F7-6D532B292C32}" type="slidenum">
               <a:rPr lang="LID4096" smtClean="0"/>
-              <a:t>‹nr.›</a:t>
+              <a:t>‹#›</a:t>
             </a:fld>
             <a:endParaRPr lang="LID4096"/>
           </a:p>
@@ -3932,7 +3932,7 @@
           <a:p>
             <a:fld id="{0494D132-07D6-4EFE-B8F7-6D532B292C32}" type="slidenum">
               <a:rPr lang="LID4096" smtClean="0"/>
-              <a:t>‹nr.›</a:t>
+              <a:t>‹#›</a:t>
             </a:fld>
             <a:endParaRPr lang="LID4096"/>
           </a:p>
@@ -4398,7 +4398,7 @@
           <a:p>
             <a:fld id="{0494D132-07D6-4EFE-B8F7-6D532B292C32}" type="slidenum">
               <a:rPr lang="LID4096" smtClean="0"/>
-              <a:t>‹nr.›</a:t>
+              <a:t>‹#›</a:t>
             </a:fld>
             <a:endParaRPr lang="LID4096"/>
           </a:p>
@@ -4516,7 +4516,7 @@
           <a:p>
             <a:fld id="{0494D132-07D6-4EFE-B8F7-6D532B292C32}" type="slidenum">
               <a:rPr lang="LID4096" smtClean="0"/>
-              <a:t>‹nr.›</a:t>
+              <a:t>‹#›</a:t>
             </a:fld>
             <a:endParaRPr lang="LID4096"/>
           </a:p>
@@ -4611,7 +4611,7 @@
           <a:p>
             <a:fld id="{0494D132-07D6-4EFE-B8F7-6D532B292C32}" type="slidenum">
               <a:rPr lang="LID4096" smtClean="0"/>
-              <a:t>‹nr.›</a:t>
+              <a:t>‹#›</a:t>
             </a:fld>
             <a:endParaRPr lang="LID4096"/>
           </a:p>
@@ -4866,7 +4866,7 @@
           <a:p>
             <a:fld id="{0494D132-07D6-4EFE-B8F7-6D532B292C32}" type="slidenum">
               <a:rPr lang="LID4096" smtClean="0"/>
-              <a:t>‹nr.›</a:t>
+              <a:t>‹#›</a:t>
             </a:fld>
             <a:endParaRPr lang="LID4096"/>
           </a:p>
@@ -5166,7 +5166,7 @@
           <a:p>
             <a:fld id="{0494D132-07D6-4EFE-B8F7-6D532B292C32}" type="slidenum">
               <a:rPr lang="LID4096" smtClean="0"/>
-              <a:t>‹nr.›</a:t>
+              <a:t>‹#›</a:t>
             </a:fld>
             <a:endParaRPr lang="LID4096"/>
           </a:p>
@@ -5450,7 +5450,7 @@
           <a:p>
             <a:fld id="{0494D132-07D6-4EFE-B8F7-6D532B292C32}" type="slidenum">
               <a:rPr lang="LID4096" smtClean="0"/>
-              <a:t>‹nr.›</a:t>
+              <a:t>‹#›</a:t>
             </a:fld>
             <a:endParaRPr lang="LID4096"/>
           </a:p>
@@ -6398,7 +6398,7 @@
             </a:r>
             <a:r>
               <a:rPr lang="nl-BE" dirty="0" err="1"/>
-              <a:t>navigation</a:t>
+              <a:t>location</a:t>
             </a:r>
             <a:endParaRPr lang="nl-BE" dirty="0"/>
           </a:p>
@@ -7303,8 +7303,8 @@
               <a:t>Indoor </a:t>
             </a:r>
             <a:r>
-              <a:rPr lang="nl-BE" dirty="0" err="1"/>
-              <a:t>navigation</a:t>
+              <a:rPr lang="nl-BE"/>
+              <a:t>location</a:t>
             </a:r>
             <a:endParaRPr lang="LID4096" dirty="0"/>
           </a:p>
